--- a/Software Architecture and design/Software Design and Architecture/week 1/Lecture 1.pptx
+++ b/Software Architecture and design/Software Design and Architecture/week 1/Lecture 1.pptx
@@ -255,7 +255,7 @@
           <a:p>
             <a:fld id="{68BB29A8-E7E2-4A7E-96CC-CB27EA411D69}" type="datetimeFigureOut">
               <a:rPr lang="en-US" smtClean="0"/>
-              <a:t>8/22/2020</a:t>
+              <a:t>05-Sep-20</a:t>
             </a:fld>
             <a:endParaRPr lang="en-US"/>
           </a:p>
@@ -425,7 +425,7 @@
           <a:p>
             <a:fld id="{68BB29A8-E7E2-4A7E-96CC-CB27EA411D69}" type="datetimeFigureOut">
               <a:rPr lang="en-US" smtClean="0"/>
-              <a:t>8/22/2020</a:t>
+              <a:t>05-Sep-20</a:t>
             </a:fld>
             <a:endParaRPr lang="en-US"/>
           </a:p>
@@ -605,7 +605,7 @@
           <a:p>
             <a:fld id="{68BB29A8-E7E2-4A7E-96CC-CB27EA411D69}" type="datetimeFigureOut">
               <a:rPr lang="en-US" smtClean="0"/>
-              <a:t>8/22/2020</a:t>
+              <a:t>05-Sep-20</a:t>
             </a:fld>
             <a:endParaRPr lang="en-US"/>
           </a:p>
@@ -775,7 +775,7 @@
           <a:p>
             <a:fld id="{68BB29A8-E7E2-4A7E-96CC-CB27EA411D69}" type="datetimeFigureOut">
               <a:rPr lang="en-US" smtClean="0"/>
-              <a:t>8/22/2020</a:t>
+              <a:t>05-Sep-20</a:t>
             </a:fld>
             <a:endParaRPr lang="en-US"/>
           </a:p>
@@ -1021,7 +1021,7 @@
           <a:p>
             <a:fld id="{68BB29A8-E7E2-4A7E-96CC-CB27EA411D69}" type="datetimeFigureOut">
               <a:rPr lang="en-US" smtClean="0"/>
-              <a:t>8/22/2020</a:t>
+              <a:t>05-Sep-20</a:t>
             </a:fld>
             <a:endParaRPr lang="en-US"/>
           </a:p>
@@ -1253,7 +1253,7 @@
           <a:p>
             <a:fld id="{68BB29A8-E7E2-4A7E-96CC-CB27EA411D69}" type="datetimeFigureOut">
               <a:rPr lang="en-US" smtClean="0"/>
-              <a:t>8/22/2020</a:t>
+              <a:t>05-Sep-20</a:t>
             </a:fld>
             <a:endParaRPr lang="en-US"/>
           </a:p>
@@ -1620,7 +1620,7 @@
           <a:p>
             <a:fld id="{68BB29A8-E7E2-4A7E-96CC-CB27EA411D69}" type="datetimeFigureOut">
               <a:rPr lang="en-US" smtClean="0"/>
-              <a:t>8/22/2020</a:t>
+              <a:t>05-Sep-20</a:t>
             </a:fld>
             <a:endParaRPr lang="en-US"/>
           </a:p>
@@ -1738,7 +1738,7 @@
           <a:p>
             <a:fld id="{68BB29A8-E7E2-4A7E-96CC-CB27EA411D69}" type="datetimeFigureOut">
               <a:rPr lang="en-US" smtClean="0"/>
-              <a:t>8/22/2020</a:t>
+              <a:t>05-Sep-20</a:t>
             </a:fld>
             <a:endParaRPr lang="en-US"/>
           </a:p>
@@ -1833,7 +1833,7 @@
           <a:p>
             <a:fld id="{68BB29A8-E7E2-4A7E-96CC-CB27EA411D69}" type="datetimeFigureOut">
               <a:rPr lang="en-US" smtClean="0"/>
-              <a:t>8/22/2020</a:t>
+              <a:t>05-Sep-20</a:t>
             </a:fld>
             <a:endParaRPr lang="en-US"/>
           </a:p>
@@ -2110,7 +2110,7 @@
           <a:p>
             <a:fld id="{68BB29A8-E7E2-4A7E-96CC-CB27EA411D69}" type="datetimeFigureOut">
               <a:rPr lang="en-US" smtClean="0"/>
-              <a:t>8/22/2020</a:t>
+              <a:t>05-Sep-20</a:t>
             </a:fld>
             <a:endParaRPr lang="en-US"/>
           </a:p>
@@ -2363,7 +2363,7 @@
           <a:p>
             <a:fld id="{68BB29A8-E7E2-4A7E-96CC-CB27EA411D69}" type="datetimeFigureOut">
               <a:rPr lang="en-US" smtClean="0"/>
-              <a:t>8/22/2020</a:t>
+              <a:t>05-Sep-20</a:t>
             </a:fld>
             <a:endParaRPr lang="en-US"/>
           </a:p>
@@ -2576,7 +2576,7 @@
           <a:p>
             <a:fld id="{68BB29A8-E7E2-4A7E-96CC-CB27EA411D69}" type="datetimeFigureOut">
               <a:rPr lang="en-US" smtClean="0"/>
-              <a:t>8/22/2020</a:t>
+              <a:t>05-Sep-20</a:t>
             </a:fld>
             <a:endParaRPr lang="en-US"/>
           </a:p>
@@ -3037,6 +3037,13 @@
   <p:clrMapOvr>
     <a:masterClrMapping/>
   </p:clrMapOvr>
+  <p:timing>
+    <p:tnLst>
+      <p:par>
+        <p:cTn id="1" dur="indefinite" restart="never" nodeType="tmRoot"/>
+      </p:par>
+    </p:tnLst>
+  </p:timing>
 </p:sld>
 </file>
 
@@ -3145,6 +3152,13 @@
   <p:clrMapOvr>
     <a:masterClrMapping/>
   </p:clrMapOvr>
+  <p:timing>
+    <p:tnLst>
+      <p:par>
+        <p:cTn id="1" dur="indefinite" restart="never" nodeType="tmRoot"/>
+      </p:par>
+    </p:tnLst>
+  </p:timing>
 </p:sld>
 </file>
 
@@ -3235,6 +3249,13 @@
   <p:clrMapOvr>
     <a:masterClrMapping/>
   </p:clrMapOvr>
+  <p:timing>
+    <p:tnLst>
+      <p:par>
+        <p:cTn id="1" dur="indefinite" restart="never" nodeType="tmRoot"/>
+      </p:par>
+    </p:tnLst>
+  </p:timing>
 </p:sld>
 </file>
 
@@ -3331,6 +3352,13 @@
   <p:clrMapOvr>
     <a:masterClrMapping/>
   </p:clrMapOvr>
+  <p:timing>
+    <p:tnLst>
+      <p:par>
+        <p:cTn id="1" dur="indefinite" restart="never" nodeType="tmRoot"/>
+      </p:par>
+    </p:tnLst>
+  </p:timing>
 </p:sld>
 </file>
 
@@ -3399,6 +3427,13 @@
   <p:clrMapOvr>
     <a:masterClrMapping/>
   </p:clrMapOvr>
+  <p:timing>
+    <p:tnLst>
+      <p:par>
+        <p:cTn id="1" dur="indefinite" restart="never" nodeType="tmRoot"/>
+      </p:par>
+    </p:tnLst>
+  </p:timing>
 </p:sld>
 </file>
 
@@ -3489,6 +3524,13 @@
   <p:clrMapOvr>
     <a:masterClrMapping/>
   </p:clrMapOvr>
+  <p:timing>
+    <p:tnLst>
+      <p:par>
+        <p:cTn id="1" dur="indefinite" restart="never" nodeType="tmRoot"/>
+      </p:par>
+    </p:tnLst>
+  </p:timing>
 </p:sld>
 </file>
 
@@ -3591,6 +3633,13 @@
   <p:clrMapOvr>
     <a:masterClrMapping/>
   </p:clrMapOvr>
+  <p:timing>
+    <p:tnLst>
+      <p:par>
+        <p:cTn id="1" dur="indefinite" restart="never" nodeType="tmRoot"/>
+      </p:par>
+    </p:tnLst>
+  </p:timing>
 </p:sld>
 </file>
 
@@ -3691,6 +3740,13 @@
   <p:clrMapOvr>
     <a:masterClrMapping/>
   </p:clrMapOvr>
+  <p:timing>
+    <p:tnLst>
+      <p:par>
+        <p:cTn id="1" dur="indefinite" restart="never" nodeType="tmRoot"/>
+      </p:par>
+    </p:tnLst>
+  </p:timing>
 </p:sld>
 </file>
 
@@ -3799,6 +3855,13 @@
   <p:clrMapOvr>
     <a:masterClrMapping/>
   </p:clrMapOvr>
+  <p:timing>
+    <p:tnLst>
+      <p:par>
+        <p:cTn id="1" dur="indefinite" restart="never" nodeType="tmRoot"/>
+      </p:par>
+    </p:tnLst>
+  </p:timing>
 </p:sld>
 </file>
 
@@ -3893,6 +3956,13 @@
   <p:clrMapOvr>
     <a:masterClrMapping/>
   </p:clrMapOvr>
+  <p:timing>
+    <p:tnLst>
+      <p:par>
+        <p:cTn id="1" dur="indefinite" restart="never" nodeType="tmRoot"/>
+      </p:par>
+    </p:tnLst>
+  </p:timing>
 </p:sld>
 </file>
 
@@ -3972,6 +4042,13 @@
   <p:clrMapOvr>
     <a:masterClrMapping/>
   </p:clrMapOvr>
+  <p:timing>
+    <p:tnLst>
+      <p:par>
+        <p:cTn id="1" dur="indefinite" restart="never" nodeType="tmRoot"/>
+      </p:par>
+    </p:tnLst>
+  </p:timing>
 </p:sld>
 </file>
 
@@ -4034,13 +4111,8 @@
           <a:p>
             <a:r>
               <a:rPr lang="en-US" dirty="0" smtClean="0"/>
-              <a:t>Simply put, it is an overall representation of the software to be built. The </a:t>
-            </a:r>
-            <a:r>
-              <a:rPr lang="en-US" dirty="0" smtClean="0"/>
-              <a:t>IEEE (institute of electrical and electronic engineering)</a:t>
-            </a:r>
-            <a:endParaRPr lang="en-US" dirty="0" smtClean="0"/>
+              <a:t>Simply put, it is an overall representation of the software to be built. The IEEE (institute of electrical and electronic engineering)</a:t>
+            </a:r>
           </a:p>
           <a:p>
             <a:r>
@@ -4083,6 +4155,13 @@
   <p:clrMapOvr>
     <a:masterClrMapping/>
   </p:clrMapOvr>
+  <p:timing>
+    <p:tnLst>
+      <p:par>
+        <p:cTn id="1" dur="indefinite" restart="never" nodeType="tmRoot"/>
+      </p:par>
+    </p:tnLst>
+  </p:timing>
 </p:sld>
 </file>
 
@@ -4194,6 +4273,13 @@
   <p:clrMapOvr>
     <a:masterClrMapping/>
   </p:clrMapOvr>
+  <p:timing>
+    <p:tnLst>
+      <p:par>
+        <p:cTn id="1" dur="indefinite" restart="never" nodeType="tmRoot"/>
+      </p:par>
+    </p:tnLst>
+  </p:timing>
 </p:sld>
 </file>
 
